--- a/pptOnPWA.pptx
+++ b/pptOnPWA.pptx
@@ -10,7 +10,7 @@
   <p:sldIdLst>
     <p:sldId id="297" r:id="rId2"/>
     <p:sldId id="269" r:id="rId3"/>
-    <p:sldId id="299" r:id="rId4"/>
+    <p:sldId id="307" r:id="rId4"/>
     <p:sldId id="270" r:id="rId5"/>
     <p:sldId id="271" r:id="rId6"/>
     <p:sldId id="295" r:id="rId7"/>
@@ -33,8 +33,8 @@
     <p:sldId id="265" r:id="rId24"/>
     <p:sldId id="260" r:id="rId25"/>
     <p:sldId id="266" r:id="rId26"/>
-    <p:sldId id="267" r:id="rId27"/>
-    <p:sldId id="277" r:id="rId28"/>
+    <p:sldId id="277" r:id="rId27"/>
+    <p:sldId id="308" r:id="rId28"/>
     <p:sldId id="304" r:id="rId29"/>
     <p:sldId id="305" r:id="rId30"/>
     <p:sldId id="306" r:id="rId31"/>
@@ -228,7 +228,7 @@
           <a:p>
             <a:fld id="{FB0D56F2-C0E0-473E-A8C0-FE9EE9DCDEFB}" type="datetimeFigureOut">
               <a:rPr lang="en-US" smtClean="0"/>
-              <a:t>6/14/2020</a:t>
+              <a:t>6/15/2020</a:t>
             </a:fld>
             <a:endParaRPr lang="en-US"/>
           </a:p>
@@ -1482,7 +1482,7 @@
           <a:p>
             <a:fld id="{B58C997B-D001-724D-B675-ABE40A16719B}" type="datetime1">
               <a:rPr lang="en-US" smtClean="0"/>
-              <a:t>6/14/2020</a:t>
+              <a:t>6/15/2020</a:t>
             </a:fld>
             <a:endParaRPr lang="en-US" dirty="0"/>
           </a:p>
@@ -1810,7 +1810,7 @@
           <a:p>
             <a:fld id="{5EC65A79-2F5B-9D4B-9BD7-E9A36EE154BE}" type="datetime1">
               <a:rPr lang="en-US" smtClean="0"/>
-              <a:t>6/14/2020</a:t>
+              <a:t>6/15/2020</a:t>
             </a:fld>
             <a:endParaRPr lang="en-US" dirty="0"/>
           </a:p>
@@ -2054,7 +2054,7 @@
           <a:p>
             <a:fld id="{7C15DB24-6B14-8A41-B5CF-51AE08C595A1}" type="datetime1">
               <a:rPr lang="en-US" smtClean="0"/>
-              <a:t>6/14/2020</a:t>
+              <a:t>6/15/2020</a:t>
             </a:fld>
             <a:endParaRPr lang="en-US" dirty="0"/>
           </a:p>
@@ -2396,7 +2396,7 @@
           <a:p>
             <a:fld id="{E8C79485-FC73-094D-8784-8DFA1B06505C}" type="datetime1">
               <a:rPr lang="en-US" smtClean="0"/>
-              <a:t>6/14/2020</a:t>
+              <a:t>6/15/2020</a:t>
             </a:fld>
             <a:endParaRPr lang="en-US" dirty="0"/>
           </a:p>
@@ -2746,7 +2746,7 @@
           <a:p>
             <a:fld id="{EF842AF7-3F5B-4941-A5F6-456B61E52737}" type="datetime1">
               <a:rPr lang="en-US" smtClean="0"/>
-              <a:t>6/14/2020</a:t>
+              <a:t>6/15/2020</a:t>
             </a:fld>
             <a:endParaRPr lang="en-US" dirty="0"/>
           </a:p>
@@ -3116,7 +3116,7 @@
           <a:p>
             <a:fld id="{7C066DE6-8F23-CD49-8A8D-A217E1BD9103}" type="datetime1">
               <a:rPr lang="en-US" smtClean="0"/>
-              <a:t>6/14/2020</a:t>
+              <a:t>6/15/2020</a:t>
             </a:fld>
             <a:endParaRPr lang="en-US" dirty="0"/>
           </a:p>
@@ -3589,7 +3589,7 @@
           <a:p>
             <a:fld id="{6791052D-9116-7642-9516-844292551B38}" type="datetime1">
               <a:rPr lang="en-US" smtClean="0"/>
-              <a:t>6/14/2020</a:t>
+              <a:t>6/15/2020</a:t>
             </a:fld>
             <a:endParaRPr lang="en-US" dirty="0"/>
           </a:p>
@@ -3797,7 +3797,7 @@
           <a:p>
             <a:fld id="{2CB71659-DDF7-D347-B25E-ACCF6ADC9718}" type="datetime1">
               <a:rPr lang="en-US" smtClean="0"/>
-              <a:t>6/14/2020</a:t>
+              <a:t>6/15/2020</a:t>
             </a:fld>
             <a:endParaRPr lang="en-US" dirty="0"/>
           </a:p>
@@ -4011,7 +4011,7 @@
           <a:p>
             <a:fld id="{D29E38B1-C2B3-7D4F-AD20-6A00C8A90972}" type="datetime1">
               <a:rPr lang="en-US" smtClean="0"/>
-              <a:t>6/14/2020</a:t>
+              <a:t>6/15/2020</a:t>
             </a:fld>
             <a:endParaRPr lang="en-US" dirty="0"/>
           </a:p>
@@ -4612,7 +4612,7 @@
           <a:p>
             <a:fld id="{51793BA3-DCF0-9545-8352-6A68E113E441}" type="datetime1">
               <a:rPr lang="en-US" smtClean="0"/>
-              <a:t>6/14/2020</a:t>
+              <a:t>6/15/2020</a:t>
             </a:fld>
             <a:endParaRPr lang="en-US" dirty="0"/>
           </a:p>
@@ -4855,7 +4855,7 @@
           <a:p>
             <a:fld id="{01060D27-6E7C-BD42-ABD3-97F50835A1AC}" type="datetime1">
               <a:rPr lang="en-US" smtClean="0"/>
-              <a:t>6/14/2020</a:t>
+              <a:t>6/15/2020</a:t>
             </a:fld>
             <a:endParaRPr lang="en-US" dirty="0"/>
           </a:p>
@@ -5163,7 +5163,7 @@
           <a:p>
             <a:fld id="{775A583B-0131-A74B-A215-B64DC0ADC4EA}" type="datetime1">
               <a:rPr lang="en-US" smtClean="0"/>
-              <a:t>6/14/2020</a:t>
+              <a:t>6/15/2020</a:t>
             </a:fld>
             <a:endParaRPr lang="en-US" dirty="0"/>
           </a:p>
@@ -5540,7 +5540,7 @@
           <a:p>
             <a:fld id="{DBF46D30-4B1D-BC4D-AFD9-C046E92B31AD}" type="datetime1">
               <a:rPr lang="en-US" smtClean="0"/>
-              <a:t>6/14/2020</a:t>
+              <a:t>6/15/2020</a:t>
             </a:fld>
             <a:endParaRPr lang="en-US" dirty="0"/>
           </a:p>
@@ -5692,7 +5692,7 @@
           <a:p>
             <a:fld id="{E7ACF056-7E2D-C942-B363-1C22AE7DDE6D}" type="datetime1">
               <a:rPr lang="en-US" smtClean="0"/>
-              <a:t>6/14/2020</a:t>
+              <a:t>6/15/2020</a:t>
             </a:fld>
             <a:endParaRPr lang="en-US" dirty="0"/>
           </a:p>
@@ -5821,7 +5821,7 @@
           <a:p>
             <a:fld id="{2CF20E41-0845-EA45-B25E-4794DFF4EF00}" type="datetime1">
               <a:rPr lang="en-US" smtClean="0"/>
-              <a:t>6/14/2020</a:t>
+              <a:t>6/15/2020</a:t>
             </a:fld>
             <a:endParaRPr lang="en-US" dirty="0"/>
           </a:p>
@@ -6072,7 +6072,7 @@
           <a:p>
             <a:fld id="{F9D9E571-4788-F34B-B41C-7FB5662DC926}" type="datetime1">
               <a:rPr lang="en-US" smtClean="0"/>
-              <a:t>6/14/2020</a:t>
+              <a:t>6/15/2020</a:t>
             </a:fld>
             <a:endParaRPr lang="en-US" dirty="0"/>
           </a:p>
@@ -6390,7 +6390,7 @@
           <a:p>
             <a:fld id="{617E9EF0-401A-4642-97BE-59516163E73A}" type="datetime1">
               <a:rPr lang="en-US" smtClean="0"/>
-              <a:t>6/14/2020</a:t>
+              <a:t>6/15/2020</a:t>
             </a:fld>
             <a:endParaRPr lang="en-US" dirty="0"/>
           </a:p>
@@ -6630,7 +6630,7 @@
           <a:p>
             <a:fld id="{505791A4-A1D9-E049-93BF-510720281CC8}" type="datetime1">
               <a:rPr lang="en-US" smtClean="0"/>
-              <a:t>6/14/2020</a:t>
+              <a:t>6/15/2020</a:t>
             </a:fld>
             <a:endParaRPr lang="en-US" dirty="0"/>
           </a:p>
@@ -7264,6 +7264,13 @@
   <p:clrMapOvr>
     <a:masterClrMapping/>
   </p:clrMapOvr>
+  <p:timing>
+    <p:tnLst>
+      <p:par>
+        <p:cTn id="1" dur="indefinite" restart="never" nodeType="tmRoot"/>
+      </p:par>
+    </p:tnLst>
+  </p:timing>
 </p:sld>
 </file>
 
@@ -7361,7 +7368,16 @@
                 <a:cs typeface="EB Garamond"/>
                 <a:sym typeface="EB Garamond"/>
               </a:rPr>
-              <a:t>A. Starting from the scratch:</a:t>
+              <a:t>A. Starting from the </a:t>
+            </a:r>
+            <a:r>
+              <a:rPr lang="en" sz="2200" dirty="0" smtClean="0">
+                <a:latin typeface="+mj-lt"/>
+                <a:ea typeface="EB Garamond"/>
+                <a:cs typeface="EB Garamond"/>
+                <a:sym typeface="EB Garamond"/>
+              </a:rPr>
+              <a:t>scratch</a:t>
             </a:r>
             <a:endParaRPr sz="2200" dirty="0">
               <a:latin typeface="+mj-lt"/>
@@ -7384,25 +7400,17 @@
                 <a:cs typeface="EB Garamond"/>
                 <a:sym typeface="EB Garamond"/>
               </a:rPr>
-              <a:t>B. Simple/Single additional feature:</a:t>
-            </a:r>
-            <a:endParaRPr sz="2200" dirty="0">
-              <a:latin typeface="+mj-lt"/>
-              <a:ea typeface="EB Garamond"/>
-              <a:cs typeface="EB Garamond"/>
-              <a:sym typeface="EB Garamond"/>
-            </a:endParaRPr>
-          </a:p>
-          <a:p>
-            <a:pPr marL="0" indent="0">
-              <a:spcBef>
-                <a:spcPts val="2133"/>
-              </a:spcBef>
-              <a:spcAft>
-                <a:spcPts val="2133"/>
-              </a:spcAft>
-              <a:buNone/>
-            </a:pPr>
+              <a:t>B. Simple/Single additional </a:t>
+            </a:r>
+            <a:r>
+              <a:rPr lang="en" sz="2200" dirty="0" smtClean="0">
+                <a:latin typeface="+mj-lt"/>
+                <a:ea typeface="EB Garamond"/>
+                <a:cs typeface="EB Garamond"/>
+                <a:sym typeface="EB Garamond"/>
+              </a:rPr>
+              <a:t>feature</a:t>
+            </a:r>
             <a:endParaRPr sz="2200" dirty="0">
               <a:latin typeface="+mj-lt"/>
             </a:endParaRPr>
@@ -7492,6 +7500,13 @@
   <p:clrMapOvr>
     <a:masterClrMapping/>
   </p:clrMapOvr>
+  <p:timing>
+    <p:tnLst>
+      <p:par>
+        <p:cTn id="1" dur="indefinite" restart="never" nodeType="tmRoot"/>
+      </p:par>
+    </p:tnLst>
+  </p:timing>
 </p:sld>
 </file>
 
@@ -7754,6 +7769,13 @@
   <p:clrMapOvr>
     <a:masterClrMapping/>
   </p:clrMapOvr>
+  <p:timing>
+    <p:tnLst>
+      <p:par>
+        <p:cTn id="1" dur="indefinite" restart="never" nodeType="tmRoot"/>
+      </p:par>
+    </p:tnLst>
+  </p:timing>
 </p:sld>
 </file>
 
@@ -7994,6 +8016,13 @@
   <p:clrMapOvr>
     <a:masterClrMapping/>
   </p:clrMapOvr>
+  <p:timing>
+    <p:tnLst>
+      <p:par>
+        <p:cTn id="1" dur="indefinite" restart="never" nodeType="tmRoot"/>
+      </p:par>
+    </p:tnLst>
+  </p:timing>
 </p:sld>
 </file>
 
@@ -8089,7 +8118,25 @@
                 <a:cs typeface="Times New Roman" panose="02020603050405020304" pitchFamily="18" charset="0"/>
                 <a:sym typeface="EB Garamond"/>
               </a:rPr>
-              <a:t>Simple JSON file that tells the browser about your web application and how it should behave when 'installed' on the user's mobile device or desktop.</a:t>
+              <a:t>Simple JSON file that tells the browser about your web application and how it should behave when </a:t>
+            </a:r>
+            <a:r>
+              <a:rPr lang="en" sz="2200" dirty="0" smtClean="0">
+                <a:latin typeface="+mj-lt"/>
+                <a:ea typeface="EB Garamond"/>
+                <a:cs typeface="Times New Roman" panose="02020603050405020304" pitchFamily="18" charset="0"/>
+                <a:sym typeface="EB Garamond"/>
+              </a:rPr>
+              <a:t>“installed”on </a:t>
+            </a:r>
+            <a:r>
+              <a:rPr lang="en" sz="2200" dirty="0">
+                <a:latin typeface="+mj-lt"/>
+                <a:ea typeface="EB Garamond"/>
+                <a:cs typeface="Times New Roman" panose="02020603050405020304" pitchFamily="18" charset="0"/>
+                <a:sym typeface="EB Garamond"/>
+              </a:rPr>
+              <a:t>the user's mobile device or desktop.</a:t>
             </a:r>
           </a:p>
         </p:txBody>
@@ -8177,6 +8224,13 @@
   <p:clrMapOvr>
     <a:masterClrMapping/>
   </p:clrMapOvr>
+  <p:timing>
+    <p:tnLst>
+      <p:par>
+        <p:cTn id="1" dur="indefinite" restart="never" nodeType="tmRoot"/>
+      </p:par>
+    </p:tnLst>
+  </p:timing>
 </p:sld>
 </file>
 
@@ -8207,15 +8261,33 @@
             <p:ph type="title"/>
           </p:nvPr>
         </p:nvSpPr>
-        <p:spPr/>
+        <p:spPr>
+          <a:xfrm>
+            <a:off x="1295401" y="1104382"/>
+            <a:ext cx="9601196" cy="1303867"/>
+          </a:xfrm>
+        </p:spPr>
         <p:txBody>
           <a:bodyPr/>
           <a:lstStyle/>
           <a:p>
             <a:r>
               <a:rPr lang="en-US" b="1" dirty="0"/>
-              <a:t>What a Service worker is?</a:t>
-            </a:r>
+              <a:t>What </a:t>
+            </a:r>
+            <a:r>
+              <a:rPr lang="en-US" b="1" dirty="0" smtClean="0"/>
+              <a:t>is a </a:t>
+            </a:r>
+            <a:r>
+              <a:rPr lang="en-US" b="1" dirty="0"/>
+              <a:t>Service </a:t>
+            </a:r>
+            <a:r>
+              <a:rPr lang="en-US" b="1" dirty="0" smtClean="0"/>
+              <a:t>worker?</a:t>
+            </a:r>
+            <a:endParaRPr lang="en-US" b="1" dirty="0"/>
           </a:p>
         </p:txBody>
       </p:sp>
@@ -8336,6 +8408,13 @@
   <p:clrMapOvr>
     <a:masterClrMapping/>
   </p:clrMapOvr>
+  <p:timing>
+    <p:tnLst>
+      <p:par>
+        <p:cTn id="1" dur="indefinite" restart="never" nodeType="tmRoot"/>
+      </p:par>
+    </p:tnLst>
+  </p:timing>
 </p:sld>
 </file>
 
@@ -9015,6 +9094,13 @@
   <p:clrMapOvr>
     <a:masterClrMapping/>
   </p:clrMapOvr>
+  <p:timing>
+    <p:tnLst>
+      <p:par>
+        <p:cTn id="1" dur="indefinite" restart="never" nodeType="tmRoot"/>
+      </p:par>
+    </p:tnLst>
+  </p:timing>
 </p:sld>
 </file>
 
@@ -9209,6 +9295,13 @@
   <p:clrMapOvr>
     <a:masterClrMapping/>
   </p:clrMapOvr>
+  <p:timing>
+    <p:tnLst>
+      <p:par>
+        <p:cTn id="1" dur="indefinite" restart="never" nodeType="tmRoot"/>
+      </p:par>
+    </p:tnLst>
+  </p:timing>
 </p:sld>
 </file>
 
@@ -9384,6 +9477,13 @@
   <p:clrMapOvr>
     <a:masterClrMapping/>
   </p:clrMapOvr>
+  <p:timing>
+    <p:tnLst>
+      <p:par>
+        <p:cTn id="1" dur="indefinite" restart="never" nodeType="tmRoot"/>
+      </p:par>
+    </p:tnLst>
+  </p:timing>
 </p:sld>
 </file>
 
@@ -9507,7 +9607,23 @@
                 <a:cs typeface="Times New Roman" panose="02020603050405020304" pitchFamily="18" charset="0"/>
                 <a:sym typeface="EB Garamond"/>
               </a:rPr>
-              <a:t>the user accepts the prompt, your PWA will be added to their launcher, and it will run like any other installed app.</a:t>
+              <a:t>the user accepts the prompt, your PWA will be added to their </a:t>
+            </a:r>
+            <a:r>
+              <a:rPr lang="en" dirty="0" smtClean="0">
+                <a:ea typeface="EB Garamond"/>
+                <a:cs typeface="Times New Roman" panose="02020603050405020304" pitchFamily="18" charset="0"/>
+                <a:sym typeface="EB Garamond"/>
+              </a:rPr>
+              <a:t>launcher and </a:t>
+            </a:r>
+            <a:r>
+              <a:rPr lang="en" dirty="0">
+                <a:ea typeface="EB Garamond"/>
+                <a:cs typeface="Times New Roman" panose="02020603050405020304" pitchFamily="18" charset="0"/>
+                <a:sym typeface="EB Garamond"/>
+              </a:rPr>
+              <a:t>it will run like any other installed app.</a:t>
             </a:r>
           </a:p>
         </p:txBody>
@@ -9575,6 +9691,13 @@
   <p:clrMapOvr>
     <a:masterClrMapping/>
   </p:clrMapOvr>
+  <p:timing>
+    <p:tnLst>
+      <p:par>
+        <p:cTn id="1" dur="indefinite" restart="never" nodeType="tmRoot"/>
+      </p:par>
+    </p:tnLst>
+  </p:timing>
 </p:sld>
 </file>
 
@@ -9746,6 +9869,13 @@
   <p:clrMapOvr>
     <a:masterClrMapping/>
   </p:clrMapOvr>
+  <p:timing>
+    <p:tnLst>
+      <p:par>
+        <p:cTn id="1" dur="indefinite" restart="never" nodeType="tmRoot"/>
+      </p:par>
+    </p:tnLst>
+  </p:timing>
 </p:sld>
 </file>
 
@@ -10055,6 +10185,13 @@
   <p:clrMapOvr>
     <a:masterClrMapping/>
   </p:clrMapOvr>
+  <p:timing>
+    <p:tnLst>
+      <p:par>
+        <p:cTn id="1" dur="indefinite" restart="never" nodeType="tmRoot"/>
+      </p:par>
+    </p:tnLst>
+  </p:timing>
 </p:sld>
 </file>
 
@@ -10134,19 +10271,43 @@
           <a:p>
             <a:r>
               <a:rPr lang="en-US" dirty="0"/>
-              <a:t>cache falling back to network</a:t>
-            </a:r>
-          </a:p>
-          <a:p>
+              <a:t>C</a:t>
+            </a:r>
+            <a:r>
+              <a:rPr lang="en-US" dirty="0" smtClean="0"/>
+              <a:t>ache </a:t>
+            </a:r>
             <a:r>
               <a:rPr lang="en-US" dirty="0"/>
-              <a:t>network falling back to cache</a:t>
+              <a:t>falling back to network</a:t>
             </a:r>
           </a:p>
           <a:p>
             <a:r>
               <a:rPr lang="en-US" dirty="0"/>
-              <a:t>cache then network</a:t>
+              <a:t>N</a:t>
+            </a:r>
+            <a:r>
+              <a:rPr lang="en-US" dirty="0" smtClean="0"/>
+              <a:t>etwork </a:t>
+            </a:r>
+            <a:r>
+              <a:rPr lang="en-US" dirty="0"/>
+              <a:t>falling back to cache</a:t>
+            </a:r>
+          </a:p>
+          <a:p>
+            <a:r>
+              <a:rPr lang="en-US" dirty="0"/>
+              <a:t>C</a:t>
+            </a:r>
+            <a:r>
+              <a:rPr lang="en-US" dirty="0" smtClean="0"/>
+              <a:t>ache </a:t>
+            </a:r>
+            <a:r>
+              <a:rPr lang="en-US" dirty="0"/>
+              <a:t>then network</a:t>
             </a:r>
           </a:p>
           <a:p>
@@ -10237,6 +10398,13 @@
   <p:clrMapOvr>
     <a:masterClrMapping/>
   </p:clrMapOvr>
+  <p:timing>
+    <p:tnLst>
+      <p:par>
+        <p:cTn id="1" dur="indefinite" restart="never" nodeType="tmRoot"/>
+      </p:par>
+    </p:tnLst>
+  </p:timing>
 </p:sld>
 </file>
 
@@ -10402,6 +10570,13 @@
   <p:clrMapOvr>
     <a:masterClrMapping/>
   </p:clrMapOvr>
+  <p:timing>
+    <p:tnLst>
+      <p:par>
+        <p:cTn id="1" dur="indefinite" restart="never" nodeType="tmRoot"/>
+      </p:par>
+    </p:tnLst>
+  </p:timing>
 </p:sld>
 </file>
 
@@ -10545,6 +10720,13 @@
   <p:clrMapOvr>
     <a:masterClrMapping/>
   </p:clrMapOvr>
+  <p:timing>
+    <p:tnLst>
+      <p:par>
+        <p:cTn id="1" dur="indefinite" restart="never" nodeType="tmRoot"/>
+      </p:par>
+    </p:tnLst>
+  </p:timing>
 </p:sld>
 </file>
 
@@ -10688,6 +10870,13 @@
   <p:clrMapOvr>
     <a:masterClrMapping/>
   </p:clrMapOvr>
+  <p:timing>
+    <p:tnLst>
+      <p:par>
+        <p:cTn id="1" dur="indefinite" restart="never" nodeType="tmRoot"/>
+      </p:par>
+    </p:tnLst>
+  </p:timing>
 </p:sld>
 </file>
 
@@ -10833,6 +11022,13 @@
   <p:clrMapOvr>
     <a:masterClrMapping/>
   </p:clrMapOvr>
+  <p:timing>
+    <p:tnLst>
+      <p:par>
+        <p:cTn id="1" dur="indefinite" restart="never" nodeType="tmRoot"/>
+      </p:par>
+    </p:tnLst>
+  </p:timing>
 </p:sld>
 </file>
 
@@ -11036,6 +11232,13 @@
   <p:clrMapOvr>
     <a:masterClrMapping/>
   </p:clrMapOvr>
+  <p:timing>
+    <p:tnLst>
+      <p:par>
+        <p:cTn id="1" dur="indefinite" restart="never" nodeType="tmRoot"/>
+      </p:par>
+    </p:tnLst>
+  </p:timing>
 </p:sld>
 </file>
 
@@ -11066,256 +11269,18 @@
             <p:ph type="title"/>
           </p:nvPr>
         </p:nvSpPr>
-        <p:spPr>
-          <a:xfrm>
-            <a:off x="1295402" y="982132"/>
-            <a:ext cx="9601196" cy="1199365"/>
-          </a:xfrm>
-        </p:spPr>
+        <p:spPr/>
         <p:txBody>
           <a:bodyPr/>
           <a:lstStyle/>
           <a:p>
             <a:r>
-              <a:rPr lang="en-US" b="1" dirty="0"/>
-              <a:t>Architectural patterns</a:t>
-            </a:r>
-            <a:endParaRPr lang="en-US" dirty="0"/>
-          </a:p>
-        </p:txBody>
-      </p:sp>
-      <p:sp>
-        <p:nvSpPr>
-          <p:cNvPr id="3" name="Content Placeholder 2"/>
-          <p:cNvSpPr>
-            <a:spLocks noGrp="1"/>
-          </p:cNvSpPr>
-          <p:nvPr>
-            <p:ph idx="1"/>
-          </p:nvPr>
-        </p:nvSpPr>
-        <p:spPr/>
-        <p:txBody>
-          <a:bodyPr>
-            <a:normAutofit fontScale="25000" lnSpcReduction="20000"/>
-          </a:bodyPr>
-          <a:lstStyle/>
-          <a:p>
-            <a:pPr marL="0" indent="0" fontAlgn="base">
-              <a:buNone/>
-            </a:pPr>
-            <a:r>
-              <a:rPr lang="en-US" sz="8800" dirty="0">
-                <a:latin typeface="+mj-lt"/>
-                <a:cs typeface="Times New Roman" panose="02020603050405020304" pitchFamily="18" charset="0"/>
-              </a:rPr>
-              <a:t>Caching SSR:</a:t>
-            </a:r>
-          </a:p>
-          <a:p>
-            <a:pPr fontAlgn="base"/>
-            <a:r>
-              <a:rPr lang="en-US" sz="8800" dirty="0">
-                <a:latin typeface="+mj-lt"/>
-                <a:cs typeface="Times New Roman" panose="02020603050405020304" pitchFamily="18" charset="0"/>
-              </a:rPr>
-              <a:t>For offline use</a:t>
-            </a:r>
-          </a:p>
-          <a:p>
-            <a:pPr fontAlgn="base"/>
-            <a:r>
-              <a:rPr lang="en-US" sz="8800" dirty="0">
-                <a:latin typeface="+mj-lt"/>
-                <a:cs typeface="Times New Roman" panose="02020603050405020304" pitchFamily="18" charset="0"/>
-              </a:rPr>
-              <a:t>If server renders static pages, cache them</a:t>
-            </a:r>
-          </a:p>
-          <a:p>
-            <a:pPr fontAlgn="base"/>
-            <a:r>
-              <a:rPr lang="en-US" sz="8800" dirty="0">
-                <a:latin typeface="+mj-lt"/>
-                <a:cs typeface="Times New Roman" panose="02020603050405020304" pitchFamily="18" charset="0"/>
-              </a:rPr>
-              <a:t>Add code for offline mode</a:t>
-            </a:r>
-          </a:p>
-          <a:p>
-            <a:pPr marL="0" indent="0" fontAlgn="base">
-              <a:buNone/>
-            </a:pPr>
-            <a:r>
-              <a:rPr lang="en-US" sz="8800" dirty="0">
-                <a:latin typeface="+mj-lt"/>
-                <a:cs typeface="Times New Roman" panose="02020603050405020304" pitchFamily="18" charset="0"/>
-              </a:rPr>
-              <a:t>Caching CSR:</a:t>
-            </a:r>
-          </a:p>
-          <a:p>
-            <a:pPr fontAlgn="base"/>
-            <a:r>
-              <a:rPr lang="en-US" sz="8800" dirty="0">
-                <a:latin typeface="+mj-lt"/>
-                <a:cs typeface="Times New Roman" panose="02020603050405020304" pitchFamily="18" charset="0"/>
-              </a:rPr>
-              <a:t>Cache data using Cache API or Indexed DB</a:t>
-            </a:r>
-          </a:p>
-          <a:p>
-            <a:pPr fontAlgn="base"/>
-            <a:r>
-              <a:rPr lang="en-US" sz="8800" dirty="0">
-                <a:latin typeface="+mj-lt"/>
-                <a:cs typeface="Times New Roman" panose="02020603050405020304" pitchFamily="18" charset="0"/>
-              </a:rPr>
-              <a:t>Detect when app is offline and save user actions for later replay</a:t>
-            </a:r>
-          </a:p>
-          <a:p>
-            <a:pPr marL="0" indent="0" fontAlgn="base">
-              <a:buNone/>
-            </a:pPr>
-            <a:endParaRPr lang="en-US" dirty="0"/>
-          </a:p>
-          <a:p>
-            <a:pPr lvl="1" fontAlgn="base"/>
-            <a:endParaRPr lang="en-US" dirty="0"/>
-          </a:p>
-          <a:p>
-            <a:pPr marL="0" indent="0" fontAlgn="base">
-              <a:buNone/>
-            </a:pPr>
-            <a:endParaRPr lang="en-US" dirty="0"/>
-          </a:p>
-          <a:p>
-            <a:pPr marL="0" indent="0" fontAlgn="base">
-              <a:buNone/>
-            </a:pPr>
+              <a:rPr lang="en-US" dirty="0" smtClean="0"/>
+              <a:t>Websites </a:t>
+            </a:r>
             <a:r>
               <a:rPr lang="en-US" dirty="0"/>
-              <a:t>    </a:t>
-            </a:r>
-          </a:p>
-        </p:txBody>
-      </p:sp>
-      <p:sp>
-        <p:nvSpPr>
-          <p:cNvPr id="4" name="TextBox 3">
-            <a:extLst>
-              <a:ext uri="{FF2B5EF4-FFF2-40B4-BE49-F238E27FC236}">
-                <a16:creationId xmlns:a16="http://schemas.microsoft.com/office/drawing/2014/main" id="{D7EEA14B-9A53-1D45-9884-1CAF574160BB}"/>
-              </a:ext>
-            </a:extLst>
-          </p:cNvPr>
-          <p:cNvSpPr txBox="1"/>
-          <p:nvPr/>
-        </p:nvSpPr>
-        <p:spPr>
-          <a:xfrm>
-            <a:off x="10303727" y="6478859"/>
-            <a:ext cx="1348318" cy="646331"/>
-          </a:xfrm>
-          <a:prstGeom prst="rect">
-            <a:avLst/>
-          </a:prstGeom>
-          <a:noFill/>
-        </p:spPr>
-        <p:txBody>
-          <a:bodyPr wrap="none" rtlCol="0">
-            <a:spAutoFit/>
-          </a:bodyPr>
-          <a:lstStyle/>
-          <a:p>
-            <a:r>
-              <a:rPr lang="en-US" dirty="0"/>
-              <a:t>-Sravani Jaidi</a:t>
-            </a:r>
-          </a:p>
-          <a:p>
-            <a:endParaRPr lang="en-US" dirty="0"/>
-          </a:p>
-        </p:txBody>
-      </p:sp>
-      <p:sp>
-        <p:nvSpPr>
-          <p:cNvPr id="8" name="Slide Number Placeholder 7">
-            <a:extLst>
-              <a:ext uri="{FF2B5EF4-FFF2-40B4-BE49-F238E27FC236}">
-                <a16:creationId xmlns:a16="http://schemas.microsoft.com/office/drawing/2014/main" id="{07E2FA72-ECE8-D041-8333-D1B83EF10DF6}"/>
-              </a:ext>
-            </a:extLst>
-          </p:cNvPr>
-          <p:cNvSpPr>
-            <a:spLocks noGrp="1"/>
-          </p:cNvSpPr>
-          <p:nvPr>
-            <p:ph type="sldNum" sz="quarter" idx="12"/>
-          </p:nvPr>
-        </p:nvSpPr>
-        <p:spPr/>
-        <p:txBody>
-          <a:bodyPr/>
-          <a:lstStyle/>
-          <a:p>
-            <a:fld id="{5D84065D-F351-4B03-BD91-D8A6B8D4B362}" type="slidenum">
-              <a:rPr lang="en-US" sz="1800" smtClean="0"/>
-              <a:t>26</a:t>
-            </a:fld>
-            <a:endParaRPr lang="en-US" sz="1800" dirty="0"/>
-          </a:p>
-        </p:txBody>
-      </p:sp>
-    </p:spTree>
-    <p:extLst>
-      <p:ext uri="{BB962C8B-B14F-4D97-AF65-F5344CB8AC3E}">
-        <p14:creationId xmlns:p14="http://schemas.microsoft.com/office/powerpoint/2010/main" val="1038349101"/>
-      </p:ext>
-    </p:extLst>
-  </p:cSld>
-  <p:clrMapOvr>
-    <a:masterClrMapping/>
-  </p:clrMapOvr>
-</p:sld>
-</file>
-
-<file path=ppt/slides/slide27.xml><?xml version="1.0" encoding="utf-8"?>
-<p:sld xmlns:a="http://schemas.openxmlformats.org/drawingml/2006/main" xmlns:r="http://schemas.openxmlformats.org/officeDocument/2006/relationships" xmlns:p="http://schemas.openxmlformats.org/presentationml/2006/main">
-  <p:cSld>
-    <p:spTree>
-      <p:nvGrpSpPr>
-        <p:cNvPr id="1" name=""/>
-        <p:cNvGrpSpPr/>
-        <p:nvPr/>
-      </p:nvGrpSpPr>
-      <p:grpSpPr>
-        <a:xfrm>
-          <a:off x="0" y="0"/>
-          <a:ext cx="0" cy="0"/>
-          <a:chOff x="0" y="0"/>
-          <a:chExt cx="0" cy="0"/>
-        </a:xfrm>
-      </p:grpSpPr>
-      <p:sp>
-        <p:nvSpPr>
-          <p:cNvPr id="2" name="Title 1"/>
-          <p:cNvSpPr>
-            <a:spLocks noGrp="1"/>
-          </p:cNvSpPr>
-          <p:nvPr>
-            <p:ph type="title"/>
-          </p:nvPr>
-        </p:nvSpPr>
-        <p:spPr/>
-        <p:txBody>
-          <a:bodyPr/>
-          <a:lstStyle/>
-          <a:p>
-            <a:r>
-              <a:rPr lang="en-US" dirty="0"/>
-              <a:t>Other Websites using PWA</a:t>
+              <a:t>using PWA</a:t>
             </a:r>
           </a:p>
         </p:txBody>
@@ -11564,7 +11529,7 @@
             <a:fld id="{00000000-1234-1234-1234-123412341234}" type="slidenum">
               <a:rPr lang="en" sz="1800" smtClean="0"/>
               <a:pPr/>
-              <a:t>27</a:t>
+              <a:t>26</a:t>
             </a:fld>
             <a:endParaRPr lang="en" sz="1800"/>
           </a:p>
@@ -11580,6 +11545,124 @@
   <p:clrMapOvr>
     <a:masterClrMapping/>
   </p:clrMapOvr>
+  <p:timing>
+    <p:tnLst>
+      <p:par>
+        <p:cTn id="1" dur="indefinite" restart="never" nodeType="tmRoot"/>
+      </p:par>
+    </p:tnLst>
+  </p:timing>
+</p:sld>
+</file>
+
+<file path=ppt/slides/slide27.xml><?xml version="1.0" encoding="utf-8"?>
+<p:sld xmlns:a="http://schemas.openxmlformats.org/drawingml/2006/main" xmlns:r="http://schemas.openxmlformats.org/officeDocument/2006/relationships" xmlns:p="http://schemas.openxmlformats.org/presentationml/2006/main">
+  <p:cSld>
+    <p:spTree>
+      <p:nvGrpSpPr>
+        <p:cNvPr id="1" name=""/>
+        <p:cNvGrpSpPr/>
+        <p:nvPr/>
+      </p:nvGrpSpPr>
+      <p:grpSpPr>
+        <a:xfrm>
+          <a:off x="0" y="0"/>
+          <a:ext cx="0" cy="0"/>
+          <a:chOff x="0" y="0"/>
+          <a:chExt cx="0" cy="0"/>
+        </a:xfrm>
+      </p:grpSpPr>
+      <p:sp>
+        <p:nvSpPr>
+          <p:cNvPr id="2" name="Title 1"/>
+          <p:cNvSpPr>
+            <a:spLocks noGrp="1"/>
+          </p:cNvSpPr>
+          <p:nvPr>
+            <p:ph type="title"/>
+          </p:nvPr>
+        </p:nvSpPr>
+        <p:spPr>
+          <a:xfrm>
+            <a:off x="413371" y="858893"/>
+            <a:ext cx="11157600" cy="914800"/>
+          </a:xfrm>
+        </p:spPr>
+        <p:txBody>
+          <a:bodyPr/>
+          <a:lstStyle/>
+          <a:p>
+            <a:r>
+              <a:rPr lang="en-US" b="1" dirty="0" smtClean="0"/>
+              <a:t>Demo</a:t>
+            </a:r>
+            <a:endParaRPr lang="en-US" b="1" dirty="0"/>
+          </a:p>
+        </p:txBody>
+      </p:sp>
+      <p:sp>
+        <p:nvSpPr>
+          <p:cNvPr id="4" name="Slide Number Placeholder 3"/>
+          <p:cNvSpPr>
+            <a:spLocks noGrp="1"/>
+          </p:cNvSpPr>
+          <p:nvPr>
+            <p:ph type="sldNum" idx="12"/>
+          </p:nvPr>
+        </p:nvSpPr>
+        <p:spPr/>
+        <p:txBody>
+          <a:bodyPr/>
+          <a:lstStyle/>
+          <a:p>
+            <a:fld id="{00000000-1234-1234-1234-123412341234}" type="slidenum">
+              <a:rPr lang="en" smtClean="0"/>
+              <a:pPr/>
+              <a:t>27</a:t>
+            </a:fld>
+            <a:endParaRPr lang="en"/>
+          </a:p>
+        </p:txBody>
+      </p:sp>
+      <p:pic>
+        <p:nvPicPr>
+          <p:cNvPr id="5" name="Picture 4"/>
+          <p:cNvPicPr/>
+          <p:nvPr/>
+        </p:nvPicPr>
+        <p:blipFill>
+          <a:blip r:embed="rId2"/>
+          <a:stretch>
+            <a:fillRect/>
+          </a:stretch>
+        </p:blipFill>
+        <p:spPr>
+          <a:xfrm>
+            <a:off x="2024744" y="2272938"/>
+            <a:ext cx="8399416" cy="3568110"/>
+          </a:xfrm>
+          <a:prstGeom prst="rect">
+            <a:avLst/>
+          </a:prstGeom>
+        </p:spPr>
+      </p:pic>
+    </p:spTree>
+    <p:extLst>
+      <p:ext uri="{BB962C8B-B14F-4D97-AF65-F5344CB8AC3E}">
+        <p14:creationId xmlns:p14="http://schemas.microsoft.com/office/powerpoint/2010/main" val="696014448"/>
+      </p:ext>
+    </p:extLst>
+  </p:cSld>
+  <p:clrMapOvr>
+    <a:masterClrMapping/>
+  </p:clrMapOvr>
+  <p:timing>
+    <p:tnLst>
+      <p:par>
+        <p:cTn id="1" dur="indefinite" restart="never" nodeType="tmRoot"/>
+      </p:par>
+    </p:tnLst>
+  </p:timing>
 </p:sld>
 </file>
 
@@ -11616,10 +11699,10 @@
           <a:lstStyle/>
           <a:p>
             <a:r>
-              <a:rPr lang="en-US" b="1" dirty="0"/>
-              <a:t>Benefits of Progressive Web Apps</a:t>
-            </a:r>
-            <a:endParaRPr lang="en-US" dirty="0"/>
+              <a:rPr lang="en-US" b="1" dirty="0" smtClean="0"/>
+              <a:t>Advantages</a:t>
+            </a:r>
+            <a:endParaRPr lang="en-US" b="1" dirty="0"/>
           </a:p>
         </p:txBody>
       </p:sp>
@@ -11651,7 +11734,15 @@
           <a:p>
             <a:r>
               <a:rPr lang="en-US" dirty="0"/>
-              <a:t>Behave like Native apps</a:t>
+              <a:t>Behave like </a:t>
+            </a:r>
+            <a:r>
+              <a:rPr lang="en-US" dirty="0" smtClean="0"/>
+              <a:t>native </a:t>
+            </a:r>
+            <a:r>
+              <a:rPr lang="en-US" dirty="0"/>
+              <a:t>apps</a:t>
             </a:r>
           </a:p>
           <a:p>
@@ -11663,7 +11754,11 @@
           <a:p>
             <a:r>
               <a:rPr lang="en-US" dirty="0"/>
-              <a:t>Easy and Cheap</a:t>
+              <a:t>Easy and </a:t>
+            </a:r>
+            <a:r>
+              <a:rPr lang="en-US" dirty="0" smtClean="0"/>
+              <a:t>cheap</a:t>
             </a:r>
             <a:endParaRPr lang="en-US" dirty="0"/>
           </a:p>
@@ -11797,25 +11892,97 @@
           <a:p>
             <a:r>
               <a:rPr lang="en-US" dirty="0"/>
-              <a:t>Limited browser Support.</a:t>
-            </a:r>
-          </a:p>
-          <a:p>
+              <a:t>Limited browser </a:t>
+            </a:r>
+            <a:r>
+              <a:rPr lang="en-US" dirty="0" smtClean="0"/>
+              <a:t>support</a:t>
+            </a:r>
             <a:r>
               <a:rPr lang="en-US" dirty="0"/>
-              <a:t>Limited Hardware and Software Support.</a:t>
+              <a:t>.</a:t>
             </a:r>
           </a:p>
           <a:p>
             <a:r>
               <a:rPr lang="en-US" dirty="0"/>
-              <a:t>No Download Store presence.</a:t>
-            </a:r>
-          </a:p>
-          <a:p>
+              <a:t>Limited </a:t>
+            </a:r>
+            <a:r>
+              <a:rPr lang="en-US" dirty="0" smtClean="0"/>
+              <a:t>hardware </a:t>
+            </a:r>
             <a:r>
               <a:rPr lang="en-US" dirty="0"/>
-              <a:t>Loss of Confidence When Installing Apps</a:t>
+              <a:t>and </a:t>
+            </a:r>
+            <a:r>
+              <a:rPr lang="en-US" dirty="0" smtClean="0"/>
+              <a:t>software </a:t>
+            </a:r>
+            <a:r>
+              <a:rPr lang="en-US" dirty="0"/>
+              <a:t>s</a:t>
+            </a:r>
+            <a:r>
+              <a:rPr lang="en-US" dirty="0" smtClean="0"/>
+              <a:t>upport</a:t>
+            </a:r>
+            <a:r>
+              <a:rPr lang="en-US" dirty="0"/>
+              <a:t>.</a:t>
+            </a:r>
+          </a:p>
+          <a:p>
+            <a:r>
+              <a:rPr lang="en-US" dirty="0"/>
+              <a:t>No </a:t>
+            </a:r>
+            <a:r>
+              <a:rPr lang="en-US" dirty="0" smtClean="0"/>
+              <a:t>download </a:t>
+            </a:r>
+            <a:r>
+              <a:rPr lang="en-US" dirty="0"/>
+              <a:t>s</a:t>
+            </a:r>
+            <a:r>
+              <a:rPr lang="en-US" dirty="0" smtClean="0"/>
+              <a:t>tore </a:t>
+            </a:r>
+            <a:r>
+              <a:rPr lang="en-US" dirty="0"/>
+              <a:t>presence.</a:t>
+            </a:r>
+          </a:p>
+          <a:p>
+            <a:r>
+              <a:rPr lang="en-US" dirty="0"/>
+              <a:t>Loss of </a:t>
+            </a:r>
+            <a:r>
+              <a:rPr lang="en-US" dirty="0" smtClean="0"/>
+              <a:t>confidence </a:t>
+            </a:r>
+            <a:r>
+              <a:rPr lang="en-US" dirty="0"/>
+              <a:t>w</a:t>
+            </a:r>
+            <a:r>
+              <a:rPr lang="en-US" dirty="0" smtClean="0"/>
+              <a:t>hen </a:t>
+            </a:r>
+            <a:r>
+              <a:rPr lang="en-US" dirty="0"/>
+              <a:t>i</a:t>
+            </a:r>
+            <a:r>
+              <a:rPr lang="en-US" dirty="0" smtClean="0"/>
+              <a:t>nstalling </a:t>
+            </a:r>
+            <a:r>
+              <a:rPr lang="en-US" dirty="0"/>
+              <a:t>Apps</a:t>
             </a:r>
           </a:p>
           <a:p>
@@ -11915,42 +12082,46 @@
             <p:ph type="title"/>
           </p:nvPr>
         </p:nvSpPr>
-        <p:spPr/>
+        <p:spPr>
+          <a:xfrm>
+            <a:off x="504811" y="1159340"/>
+            <a:ext cx="11157600" cy="914800"/>
+          </a:xfrm>
+        </p:spPr>
         <p:txBody>
           <a:bodyPr/>
           <a:lstStyle/>
           <a:p>
             <a:r>
-              <a:rPr lang="en-US" dirty="0"/>
-              <a:t>Contents</a:t>
-            </a:r>
-          </a:p>
-        </p:txBody>
-      </p:sp>
-      <p:sp>
-        <p:nvSpPr>
-          <p:cNvPr id="3" name="Content Placeholder 2"/>
-          <p:cNvSpPr>
-            <a:spLocks noGrp="1"/>
-          </p:cNvSpPr>
-          <p:nvPr>
-            <p:ph sz="half" idx="1"/>
-          </p:nvPr>
-        </p:nvSpPr>
-        <p:spPr>
-          <a:xfrm>
-            <a:off x="1828799" y="2560320"/>
-            <a:ext cx="4718304" cy="3688080"/>
-          </a:xfrm>
-        </p:spPr>
-        <p:txBody>
-          <a:bodyPr>
-            <a:noAutofit/>
-          </a:bodyPr>
-          <a:lstStyle/>
-          <a:p>
-            <a:r>
-              <a:rPr lang="en-US" sz="1400" dirty="0" smtClean="0">
+              <a:rPr lang="en-US" b="1" dirty="0" smtClean="0"/>
+              <a:t>Outline</a:t>
+            </a:r>
+            <a:endParaRPr lang="en-US" b="1" dirty="0"/>
+          </a:p>
+        </p:txBody>
+      </p:sp>
+      <p:sp>
+        <p:nvSpPr>
+          <p:cNvPr id="3" name="Text Placeholder 2"/>
+          <p:cNvSpPr>
+            <a:spLocks noGrp="1"/>
+          </p:cNvSpPr>
+          <p:nvPr>
+            <p:ph type="body" idx="1"/>
+          </p:nvPr>
+        </p:nvSpPr>
+        <p:spPr>
+          <a:xfrm>
+            <a:off x="1554479" y="2424220"/>
+            <a:ext cx="8765178" cy="4105200"/>
+          </a:xfrm>
+        </p:spPr>
+        <p:txBody>
+          <a:bodyPr/>
+          <a:lstStyle/>
+          <a:p>
+            <a:r>
+              <a:rPr lang="en-US" dirty="0">
                 <a:latin typeface="Times New Roman" panose="02020603050405020304" pitchFamily="18" charset="0"/>
                 <a:cs typeface="Times New Roman" panose="02020603050405020304" pitchFamily="18" charset="0"/>
               </a:rPr>
@@ -11959,7 +12130,7 @@
           </a:p>
           <a:p>
             <a:r>
-              <a:rPr lang="en-US" sz="1400" dirty="0" smtClean="0">
+              <a:rPr lang="en-US" dirty="0">
                 <a:latin typeface="Times New Roman" panose="02020603050405020304" pitchFamily="18" charset="0"/>
                 <a:cs typeface="Times New Roman" panose="02020603050405020304" pitchFamily="18" charset="0"/>
               </a:rPr>
@@ -11968,316 +12139,77 @@
           </a:p>
           <a:p>
             <a:r>
-              <a:rPr lang="en-US" sz="1400" dirty="0" smtClean="0">
+              <a:rPr lang="en-US" dirty="0">
                 <a:latin typeface="Times New Roman" panose="02020603050405020304" pitchFamily="18" charset="0"/>
                 <a:cs typeface="Times New Roman" panose="02020603050405020304" pitchFamily="18" charset="0"/>
               </a:rPr>
-              <a:t>PWA because                             </a:t>
-            </a:r>
-          </a:p>
-          <a:p>
-            <a:r>
-              <a:rPr lang="en-US" sz="1400" dirty="0" smtClean="0">
+              <a:t>Steps to build PWA                                             </a:t>
+            </a:r>
+          </a:p>
+          <a:p>
+            <a:r>
+              <a:rPr lang="en-US" dirty="0" smtClean="0">
                 <a:latin typeface="Times New Roman" panose="02020603050405020304" pitchFamily="18" charset="0"/>
                 <a:cs typeface="Times New Roman" panose="02020603050405020304" pitchFamily="18" charset="0"/>
               </a:rPr>
-              <a:t>PWA are                                    </a:t>
-            </a:r>
-          </a:p>
-          <a:p>
-            <a:r>
-              <a:rPr lang="en-US" sz="1400" dirty="0" smtClean="0">
+              <a:t>Caching </a:t>
+            </a:r>
+            <a:r>
+              <a:rPr lang="en-US" dirty="0">
                 <a:latin typeface="Times New Roman" panose="02020603050405020304" pitchFamily="18" charset="0"/>
                 <a:cs typeface="Times New Roman" panose="02020603050405020304" pitchFamily="18" charset="0"/>
               </a:rPr>
-              <a:t> Steps to build PWA                     </a:t>
-            </a:r>
-          </a:p>
-          <a:p>
-            <a:r>
-              <a:rPr lang="en-US" sz="1400" dirty="0" smtClean="0">
-                <a:latin typeface="Times New Roman" panose="02020603050405020304" pitchFamily="18" charset="0"/>
-                <a:cs typeface="Times New Roman" panose="02020603050405020304" pitchFamily="18" charset="0"/>
-              </a:rPr>
-              <a:t>Principles                                  </a:t>
-            </a:r>
-          </a:p>
-          <a:p>
-            <a:r>
-              <a:rPr lang="en-US" sz="1400" dirty="0" smtClean="0">
-                <a:latin typeface="Times New Roman" panose="02020603050405020304" pitchFamily="18" charset="0"/>
-                <a:cs typeface="Times New Roman" panose="02020603050405020304" pitchFamily="18" charset="0"/>
-              </a:rPr>
-              <a:t>Web App Manifest                   </a:t>
-            </a:r>
-          </a:p>
-          <a:p>
-            <a:r>
-              <a:rPr lang="en-US" sz="1400" dirty="0" smtClean="0">
-                <a:latin typeface="Times New Roman" panose="02020603050405020304" pitchFamily="18" charset="0"/>
-                <a:cs typeface="Times New Roman" panose="02020603050405020304" pitchFamily="18" charset="0"/>
-              </a:rPr>
-              <a:t>What is Service Worker               </a:t>
-            </a:r>
-          </a:p>
-          <a:p>
-            <a:r>
-              <a:rPr lang="en-US" sz="1400" dirty="0" smtClean="0">
-                <a:latin typeface="Times New Roman" panose="02020603050405020304" pitchFamily="18" charset="0"/>
-                <a:cs typeface="Times New Roman" panose="02020603050405020304" pitchFamily="18" charset="0"/>
-              </a:rPr>
-              <a:t>Service worker life cycle               </a:t>
-            </a:r>
-          </a:p>
-          <a:p>
-            <a:r>
-              <a:rPr lang="en-US" sz="1400" dirty="0" smtClean="0">
-                <a:latin typeface="Times New Roman" panose="02020603050405020304" pitchFamily="18" charset="0"/>
-                <a:cs typeface="Times New Roman" panose="02020603050405020304" pitchFamily="18" charset="0"/>
-              </a:rPr>
-              <a:t>What a service worker can do      </a:t>
-            </a:r>
-            <a:endParaRPr lang="en-US" sz="1400" dirty="0">
-              <a:latin typeface="Times New Roman" panose="02020603050405020304" pitchFamily="18" charset="0"/>
-              <a:cs typeface="Times New Roman" panose="02020603050405020304" pitchFamily="18" charset="0"/>
-            </a:endParaRPr>
-          </a:p>
-        </p:txBody>
-      </p:sp>
-      <p:sp>
-        <p:nvSpPr>
-          <p:cNvPr id="4" name="Content Placeholder 3"/>
-          <p:cNvSpPr>
-            <a:spLocks noGrp="1"/>
-          </p:cNvSpPr>
-          <p:nvPr>
-            <p:ph sz="half" idx="2"/>
-          </p:nvPr>
-        </p:nvSpPr>
-        <p:spPr>
-          <a:xfrm>
-            <a:off x="6547103" y="2560320"/>
-            <a:ext cx="4718304" cy="3688080"/>
-          </a:xfrm>
-        </p:spPr>
-        <p:txBody>
-          <a:bodyPr>
-            <a:noAutofit/>
-          </a:bodyPr>
-          <a:lstStyle/>
-          <a:p>
-            <a:r>
-              <a:rPr lang="en-US" sz="1400" dirty="0">
-                <a:latin typeface="Times New Roman" panose="02020603050405020304" pitchFamily="18" charset="0"/>
-                <a:cs typeface="Times New Roman" panose="02020603050405020304" pitchFamily="18" charset="0"/>
-              </a:rPr>
-              <a:t>Working with fetch </a:t>
-            </a:r>
-            <a:r>
-              <a:rPr lang="en-US" sz="1400" dirty="0" smtClean="0">
-                <a:latin typeface="Times New Roman" panose="02020603050405020304" pitchFamily="18" charset="0"/>
-                <a:cs typeface="Times New Roman" panose="02020603050405020304" pitchFamily="18" charset="0"/>
-              </a:rPr>
-              <a:t>API</a:t>
-            </a:r>
-          </a:p>
-          <a:p>
-            <a:r>
-              <a:rPr lang="en-US" sz="1400" dirty="0" smtClean="0">
-                <a:latin typeface="Times New Roman" panose="02020603050405020304" pitchFamily="18" charset="0"/>
-                <a:cs typeface="Times New Roman" panose="02020603050405020304" pitchFamily="18" charset="0"/>
-              </a:rPr>
-              <a:t>Add </a:t>
-            </a:r>
-            <a:r>
-              <a:rPr lang="en-US" sz="1400" dirty="0">
-                <a:latin typeface="Times New Roman" panose="02020603050405020304" pitchFamily="18" charset="0"/>
-                <a:cs typeface="Times New Roman" panose="02020603050405020304" pitchFamily="18" charset="0"/>
-              </a:rPr>
-              <a:t>to Home Screen </a:t>
-            </a:r>
-            <a:r>
-              <a:rPr lang="en-US" sz="1400" dirty="0" smtClean="0">
-                <a:latin typeface="Times New Roman" panose="02020603050405020304" pitchFamily="18" charset="0"/>
-                <a:cs typeface="Times New Roman" panose="02020603050405020304" pitchFamily="18" charset="0"/>
-              </a:rPr>
-              <a:t>Banner</a:t>
-            </a:r>
-            <a:endParaRPr lang="en-US" sz="1400" dirty="0">
-              <a:latin typeface="Times New Roman" panose="02020603050405020304" pitchFamily="18" charset="0"/>
-              <a:cs typeface="Times New Roman" panose="02020603050405020304" pitchFamily="18" charset="0"/>
-            </a:endParaRPr>
-          </a:p>
-          <a:p>
-            <a:r>
-              <a:rPr lang="en-US" sz="1400" dirty="0">
-                <a:latin typeface="Times New Roman" panose="02020603050405020304" pitchFamily="18" charset="0"/>
-                <a:cs typeface="Times New Roman" panose="02020603050405020304" pitchFamily="18" charset="0"/>
-              </a:rPr>
-              <a:t>Push </a:t>
-            </a:r>
-            <a:r>
-              <a:rPr lang="en-US" sz="1400" dirty="0" smtClean="0">
-                <a:latin typeface="Times New Roman" panose="02020603050405020304" pitchFamily="18" charset="0"/>
-                <a:cs typeface="Times New Roman" panose="02020603050405020304" pitchFamily="18" charset="0"/>
-              </a:rPr>
-              <a:t>notifications</a:t>
-            </a:r>
-          </a:p>
-          <a:p>
-            <a:r>
-              <a:rPr lang="en-US" sz="1400" dirty="0">
-                <a:latin typeface="Times New Roman" panose="02020603050405020304" pitchFamily="18" charset="0"/>
-                <a:cs typeface="Times New Roman" panose="02020603050405020304" pitchFamily="18" charset="0"/>
-              </a:rPr>
-              <a:t>Working with the </a:t>
-            </a:r>
-            <a:r>
-              <a:rPr lang="en-US" sz="1400" dirty="0" smtClean="0">
-                <a:latin typeface="Times New Roman" panose="02020603050405020304" pitchFamily="18" charset="0"/>
-                <a:cs typeface="Times New Roman" panose="02020603050405020304" pitchFamily="18" charset="0"/>
-              </a:rPr>
-              <a:t>Cache</a:t>
-            </a:r>
-          </a:p>
-          <a:p>
-            <a:r>
-              <a:rPr lang="en-US" sz="1400" dirty="0" smtClean="0">
-                <a:latin typeface="Times New Roman" panose="02020603050405020304" pitchFamily="18" charset="0"/>
-                <a:cs typeface="Times New Roman" panose="02020603050405020304" pitchFamily="18" charset="0"/>
-              </a:rPr>
-              <a:t>Caching Strategies</a:t>
-            </a:r>
-          </a:p>
-          <a:p>
-            <a:r>
-              <a:rPr lang="en-US" sz="1400" dirty="0">
+              <a:t>Strategies</a:t>
+            </a:r>
+          </a:p>
+          <a:p>
+            <a:r>
+              <a:rPr lang="en-US" dirty="0">
                 <a:latin typeface="Times New Roman" panose="02020603050405020304" pitchFamily="18" charset="0"/>
                 <a:cs typeface="Times New Roman" panose="02020603050405020304" pitchFamily="18" charset="0"/>
               </a:rPr>
               <a:t>Architectural </a:t>
             </a:r>
             <a:r>
-              <a:rPr lang="en-US" sz="1400" dirty="0" smtClean="0">
+              <a:rPr lang="en-US" dirty="0" smtClean="0">
                 <a:latin typeface="Times New Roman" panose="02020603050405020304" pitchFamily="18" charset="0"/>
                 <a:cs typeface="Times New Roman" panose="02020603050405020304" pitchFamily="18" charset="0"/>
               </a:rPr>
-              <a:t>Patterns</a:t>
-            </a:r>
-          </a:p>
-          <a:p>
-            <a:r>
-              <a:rPr lang="en-US" sz="1400" dirty="0" smtClean="0">
+              <a:t>Patterns </a:t>
+            </a:r>
+          </a:p>
+          <a:p>
+            <a:r>
+              <a:rPr lang="en-US" dirty="0" smtClean="0">
                 <a:latin typeface="Times New Roman" panose="02020603050405020304" pitchFamily="18" charset="0"/>
                 <a:cs typeface="Times New Roman" panose="02020603050405020304" pitchFamily="18" charset="0"/>
               </a:rPr>
-              <a:t>Examples</a:t>
-            </a:r>
-          </a:p>
-          <a:p>
-            <a:r>
-              <a:rPr lang="en-US" sz="1400" dirty="0" smtClean="0">
+              <a:t>Conclusion</a:t>
+            </a:r>
+          </a:p>
+          <a:p>
+            <a:r>
+              <a:rPr lang="en-US" dirty="0" smtClean="0">
                 <a:latin typeface="Times New Roman" panose="02020603050405020304" pitchFamily="18" charset="0"/>
                 <a:cs typeface="Times New Roman" panose="02020603050405020304" pitchFamily="18" charset="0"/>
               </a:rPr>
-              <a:t>Advantages</a:t>
-            </a:r>
-          </a:p>
-          <a:p>
-            <a:r>
-              <a:rPr lang="en-US" sz="1400" dirty="0" smtClean="0">
-                <a:latin typeface="Times New Roman" panose="02020603050405020304" pitchFamily="18" charset="0"/>
-                <a:cs typeface="Times New Roman" panose="02020603050405020304" pitchFamily="18" charset="0"/>
-              </a:rPr>
-              <a:t>Disadvantages</a:t>
-            </a:r>
-          </a:p>
-          <a:p>
-            <a:r>
-              <a:rPr lang="en-US" sz="1400" dirty="0">
-                <a:latin typeface="Times New Roman" panose="02020603050405020304" pitchFamily="18" charset="0"/>
-                <a:cs typeface="Times New Roman" panose="02020603050405020304" pitchFamily="18" charset="0"/>
-              </a:rPr>
-              <a:t>Conclusion </a:t>
-            </a:r>
-            <a:endParaRPr lang="en-US" sz="1400" dirty="0" smtClean="0">
+              <a:t>Demo Slide</a:t>
+            </a:r>
+            <a:endParaRPr lang="en-US" dirty="0">
               <a:latin typeface="Times New Roman" panose="02020603050405020304" pitchFamily="18" charset="0"/>
               <a:cs typeface="Times New Roman" panose="02020603050405020304" pitchFamily="18" charset="0"/>
             </a:endParaRPr>
           </a:p>
-          <a:p>
-            <a:pPr marL="0" indent="0">
-              <a:buNone/>
-            </a:pPr>
-            <a:endParaRPr lang="en-US" sz="1400" dirty="0">
-              <a:latin typeface="Times New Roman" panose="02020603050405020304" pitchFamily="18" charset="0"/>
-              <a:cs typeface="Times New Roman" panose="02020603050405020304" pitchFamily="18" charset="0"/>
-            </a:endParaRPr>
-          </a:p>
-          <a:p>
-            <a:endParaRPr lang="en-US" sz="1400" dirty="0">
-              <a:latin typeface="Times New Roman" panose="02020603050405020304" pitchFamily="18" charset="0"/>
-              <a:cs typeface="Times New Roman" panose="02020603050405020304" pitchFamily="18" charset="0"/>
-            </a:endParaRPr>
-          </a:p>
-          <a:p>
-            <a:endParaRPr lang="en-US" sz="1400" dirty="0">
-              <a:latin typeface="Times New Roman" panose="02020603050405020304" pitchFamily="18" charset="0"/>
-              <a:cs typeface="Times New Roman" panose="02020603050405020304" pitchFamily="18" charset="0"/>
-            </a:endParaRPr>
-          </a:p>
-          <a:p>
-            <a:endParaRPr lang="en-US" sz="1400" dirty="0">
-              <a:latin typeface="Times New Roman" panose="02020603050405020304" pitchFamily="18" charset="0"/>
-              <a:cs typeface="Times New Roman" panose="02020603050405020304" pitchFamily="18" charset="0"/>
-            </a:endParaRPr>
-          </a:p>
-          <a:p>
-            <a:endParaRPr lang="en-US" sz="1400" dirty="0">
-              <a:latin typeface="Times New Roman" panose="02020603050405020304" pitchFamily="18" charset="0"/>
-              <a:cs typeface="Times New Roman" panose="02020603050405020304" pitchFamily="18" charset="0"/>
-            </a:endParaRPr>
-          </a:p>
-          <a:p>
-            <a:endParaRPr lang="en-US" sz="1400" dirty="0">
-              <a:latin typeface="Times New Roman" panose="02020603050405020304" pitchFamily="18" charset="0"/>
-              <a:cs typeface="Times New Roman" panose="02020603050405020304" pitchFamily="18" charset="0"/>
-            </a:endParaRPr>
-          </a:p>
-          <a:p>
-            <a:endParaRPr lang="en-US" sz="1400" dirty="0">
-              <a:latin typeface="Times New Roman" panose="02020603050405020304" pitchFamily="18" charset="0"/>
-              <a:cs typeface="Times New Roman" panose="02020603050405020304" pitchFamily="18" charset="0"/>
-            </a:endParaRPr>
-          </a:p>
-          <a:p>
-            <a:endParaRPr lang="en-US" sz="1400" dirty="0" smtClean="0">
-              <a:latin typeface="Times New Roman" panose="02020603050405020304" pitchFamily="18" charset="0"/>
-              <a:cs typeface="Times New Roman" panose="02020603050405020304" pitchFamily="18" charset="0"/>
-            </a:endParaRPr>
-          </a:p>
-          <a:p>
-            <a:endParaRPr lang="en-US" sz="1400" dirty="0">
-              <a:latin typeface="Times New Roman" panose="02020603050405020304" pitchFamily="18" charset="0"/>
-              <a:cs typeface="Times New Roman" panose="02020603050405020304" pitchFamily="18" charset="0"/>
-            </a:endParaRPr>
-          </a:p>
-          <a:p>
-            <a:endParaRPr lang="en-US" sz="1400" dirty="0">
-              <a:latin typeface="Times New Roman" panose="02020603050405020304" pitchFamily="18" charset="0"/>
-              <a:cs typeface="Times New Roman" panose="02020603050405020304" pitchFamily="18" charset="0"/>
-            </a:endParaRPr>
-          </a:p>
-        </p:txBody>
-      </p:sp>
-      <p:sp>
-        <p:nvSpPr>
-          <p:cNvPr id="5" name="Slide Number Placeholder 4"/>
-          <p:cNvSpPr>
-            <a:spLocks noGrp="1"/>
-          </p:cNvSpPr>
-          <p:nvPr>
-            <p:ph type="sldNum" sz="quarter" idx="12"/>
+        </p:txBody>
+      </p:sp>
+      <p:sp>
+        <p:nvSpPr>
+          <p:cNvPr id="4" name="Slide Number Placeholder 3"/>
+          <p:cNvSpPr>
+            <a:spLocks noGrp="1"/>
+          </p:cNvSpPr>
+          <p:nvPr>
+            <p:ph type="sldNum" idx="12"/>
           </p:nvPr>
         </p:nvSpPr>
         <p:spPr/>
@@ -12285,58 +12217,32 @@
           <a:bodyPr/>
           <a:lstStyle/>
           <a:p>
-            <a:fld id="{5D84065D-F351-4B03-BD91-D8A6B8D4B362}" type="slidenum">
-              <a:rPr lang="en-US" smtClean="0"/>
+            <a:fld id="{00000000-1234-1234-1234-123412341234}" type="slidenum">
+              <a:rPr lang="en" smtClean="0"/>
+              <a:pPr/>
               <a:t>3</a:t>
             </a:fld>
-            <a:endParaRPr lang="en-US" dirty="0"/>
-          </a:p>
-        </p:txBody>
-      </p:sp>
-      <p:sp>
-        <p:nvSpPr>
-          <p:cNvPr id="6" name="TextBox 5"/>
-          <p:cNvSpPr txBox="1"/>
-          <p:nvPr/>
-        </p:nvSpPr>
-        <p:spPr>
-          <a:xfrm>
-            <a:off x="9627326" y="6413863"/>
-            <a:ext cx="1763485" cy="369332"/>
-          </a:xfrm>
-          <a:prstGeom prst="rect">
-            <a:avLst/>
-          </a:prstGeom>
-          <a:noFill/>
-        </p:spPr>
-        <p:txBody>
-          <a:bodyPr wrap="square" rtlCol="0">
-            <a:spAutoFit/>
-          </a:bodyPr>
-          <a:lstStyle/>
-          <a:p>
-            <a:r>
-              <a:rPr lang="en-US" dirty="0" err="1" smtClean="0"/>
-              <a:t>Kavya</a:t>
-            </a:r>
-            <a:r>
-              <a:rPr lang="en-US" dirty="0" smtClean="0"/>
-              <a:t> Reddy</a:t>
-            </a:r>
-            <a:endParaRPr lang="en-US" dirty="0"/>
+            <a:endParaRPr lang="en"/>
           </a:p>
         </p:txBody>
       </p:sp>
     </p:spTree>
     <p:extLst>
       <p:ext uri="{BB962C8B-B14F-4D97-AF65-F5344CB8AC3E}">
-        <p14:creationId xmlns:p14="http://schemas.microsoft.com/office/powerpoint/2010/main" val="3632494605"/>
+        <p14:creationId xmlns:p14="http://schemas.microsoft.com/office/powerpoint/2010/main" val="3968936486"/>
       </p:ext>
     </p:extLst>
   </p:cSld>
   <p:clrMapOvr>
     <a:masterClrMapping/>
   </p:clrMapOvr>
+  <p:timing>
+    <p:tnLst>
+      <p:par>
+        <p:cTn id="1" dur="indefinite" restart="never" nodeType="tmRoot"/>
+      </p:par>
+    </p:tnLst>
+  </p:timing>
 </p:sld>
 </file>
 
@@ -12404,12 +12310,36 @@
               <a:buNone/>
             </a:pPr>
             <a:r>
+              <a:rPr lang="en-US" dirty="0" smtClean="0">
+                <a:ea typeface="EB Garamond"/>
+                <a:cs typeface="Times New Roman" panose="02020603050405020304" pitchFamily="18" charset="0"/>
+                <a:sym typeface="EB Garamond"/>
+              </a:rPr>
+              <a:t>PWAs, </a:t>
+            </a:r>
+            <a:r>
               <a:rPr lang="en-US" dirty="0">
                 <a:ea typeface="EB Garamond"/>
                 <a:cs typeface="Times New Roman" panose="02020603050405020304" pitchFamily="18" charset="0"/>
                 <a:sym typeface="EB Garamond"/>
               </a:rPr>
-              <a:t>PWAs we can say are still in their infancy with a long way to go and lot of challenges to be addressed yet. Having said that, they do have a great potential to create remarkable changes in the way web works.</a:t>
+              <a:t>we can say </a:t>
+            </a:r>
+            <a:r>
+              <a:rPr lang="en-US" dirty="0" smtClean="0">
+                <a:ea typeface="EB Garamond"/>
+                <a:cs typeface="Times New Roman" panose="02020603050405020304" pitchFamily="18" charset="0"/>
+                <a:sym typeface="EB Garamond"/>
+              </a:rPr>
+              <a:t>they are </a:t>
+            </a:r>
+            <a:r>
+              <a:rPr lang="en-US" dirty="0">
+                <a:ea typeface="EB Garamond"/>
+                <a:cs typeface="Times New Roman" panose="02020603050405020304" pitchFamily="18" charset="0"/>
+                <a:sym typeface="EB Garamond"/>
+              </a:rPr>
+              <a:t>still in their infancy with a long way to go and lot of challenges to be addressed yet. Having said that, they do have a great potential to create remarkable changes in the way web works.</a:t>
             </a:r>
           </a:p>
           <a:p>
@@ -12762,7 +12692,7 @@
                 <a16:creationId xmlns:a16="http://schemas.microsoft.com/office/drawing/2014/main" id="{23B04196-EE2E-4500-AF8D-C6E01DA9B5FD}"/>
               </a:ext>
               <a:ext uri="{C183D7F6-B498-43B3-948B-1728B52AA6E4}">
-                <adec:decorative xmlns:adec="http://schemas.microsoft.com/office/drawing/2017/decorative" xmlns="" val="1"/>
+                <adec:decorative xmlns="" xmlns:adec="http://schemas.microsoft.com/office/drawing/2017/decorative" val="1"/>
               </a:ext>
             </a:extLst>
           </p:cNvPr>
@@ -12807,7 +12737,7 @@
                 <a16:creationId xmlns:a16="http://schemas.microsoft.com/office/drawing/2014/main" id="{85B95145-40F9-436B-89CD-8054CBB2E310}"/>
               </a:ext>
               <a:ext uri="{C183D7F6-B498-43B3-948B-1728B52AA6E4}">
-                <adec:decorative xmlns:adec="http://schemas.microsoft.com/office/drawing/2017/decorative" xmlns="" val="1"/>
+                <adec:decorative xmlns="" xmlns:adec="http://schemas.microsoft.com/office/drawing/2017/decorative" val="1"/>
               </a:ext>
             </a:extLst>
           </p:cNvPr>
@@ -12862,7 +12792,7 @@
                 <a16:creationId xmlns:a16="http://schemas.microsoft.com/office/drawing/2014/main" id="{7AF0FCDC-7BF8-4C15-B0DF-39495ABCCC49}"/>
               </a:ext>
               <a:ext uri="{C183D7F6-B498-43B3-948B-1728B52AA6E4}">
-                <adec:decorative xmlns:adec="http://schemas.microsoft.com/office/drawing/2017/decorative" xmlns="" val="1"/>
+                <adec:decorative xmlns="" xmlns:adec="http://schemas.microsoft.com/office/drawing/2017/decorative" val="1"/>
               </a:ext>
             </a:extLst>
           </p:cNvPr>
@@ -12951,7 +12881,7 @@
                 <a16:creationId xmlns:a16="http://schemas.microsoft.com/office/drawing/2014/main" id="{D83D09F1-D65C-4360-A042-A28A88B8D12E}"/>
               </a:ext>
               <a:ext uri="{C183D7F6-B498-43B3-948B-1728B52AA6E4}">
-                <adec:decorative xmlns:adec="http://schemas.microsoft.com/office/drawing/2017/decorative" xmlns="" val="1"/>
+                <adec:decorative xmlns="" xmlns:adec="http://schemas.microsoft.com/office/drawing/2017/decorative" val="1"/>
               </a:ext>
             </a:extLst>
           </p:cNvPr>
@@ -13124,7 +13054,7 @@
                 <a16:creationId xmlns:a16="http://schemas.microsoft.com/office/drawing/2014/main" id="{DFE3C79B-5339-404D-AD57-DEFDC8C11353}"/>
               </a:ext>
               <a:ext uri="{C183D7F6-B498-43B3-948B-1728B52AA6E4}">
-                <adec:decorative xmlns:adec="http://schemas.microsoft.com/office/drawing/2017/decorative" xmlns="" val="1"/>
+                <adec:decorative xmlns="" xmlns:adec="http://schemas.microsoft.com/office/drawing/2017/decorative" val="1"/>
               </a:ext>
             </a:extLst>
           </p:cNvPr>
@@ -13176,7 +13106,7 @@
                 <a16:creationId xmlns:a16="http://schemas.microsoft.com/office/drawing/2014/main" id="{04646B48-D72A-4B29-9974-5196657AF1A8}"/>
               </a:ext>
               <a:ext uri="{C183D7F6-B498-43B3-948B-1728B52AA6E4}">
-                <adec:decorative xmlns:adec="http://schemas.microsoft.com/office/drawing/2017/decorative" xmlns="" val="1"/>
+                <adec:decorative xmlns="" xmlns:adec="http://schemas.microsoft.com/office/drawing/2017/decorative" val="1"/>
               </a:ext>
             </a:extLst>
           </p:cNvPr>
@@ -13397,7 +13327,21 @@
                 <a:latin typeface="+mj-lt"/>
                 <a:cs typeface="Times New Roman" panose="02020603050405020304" pitchFamily="18" charset="0"/>
               </a:rPr>
-              <a:t>Provide an installable, app-like experience on desktop and mobile that are built and delivered directly via the web.</a:t>
+              <a:t>Provide an installable, app-like experience on desktop and mobile that are built and delivered directly </a:t>
+            </a:r>
+            <a:r>
+              <a:rPr lang="en-US" sz="2200" dirty="0" smtClean="0">
+                <a:latin typeface="+mj-lt"/>
+                <a:cs typeface="Times New Roman" panose="02020603050405020304" pitchFamily="18" charset="0"/>
+              </a:rPr>
+              <a:t>via web</a:t>
+            </a:r>
+            <a:r>
+              <a:rPr lang="en-US" sz="2200" dirty="0">
+                <a:latin typeface="+mj-lt"/>
+                <a:cs typeface="Times New Roman" panose="02020603050405020304" pitchFamily="18" charset="0"/>
+              </a:rPr>
+              <a:t>.</a:t>
             </a:r>
           </a:p>
           <a:p>
@@ -13858,6 +13802,13 @@
   <p:clrMapOvr>
     <a:masterClrMapping/>
   </p:clrMapOvr>
+  <p:timing>
+    <p:tnLst>
+      <p:par>
+        <p:cTn id="1" dur="indefinite" restart="never" nodeType="tmRoot"/>
+      </p:par>
+    </p:tnLst>
+  </p:timing>
 </p:sld>
 </file>
 
@@ -13946,16 +13897,19 @@
           <a:p>
             <a:r>
               <a:rPr lang="en-US" dirty="0"/>
+              <a:t>Reach</a:t>
+            </a:r>
+          </a:p>
+          <a:p>
+            <a:r>
+              <a:rPr lang="en-US" dirty="0"/>
               <a:t>Conversion</a:t>
             </a:r>
           </a:p>
           <a:p>
-            <a:r>
-              <a:rPr lang="en-US" dirty="0"/>
-              <a:t>Network Independent</a:t>
-            </a:r>
-          </a:p>
-          <a:p>
+            <a:pPr marL="152396" indent="0">
+              <a:buNone/>
+            </a:pPr>
             <a:endParaRPr lang="en-US" dirty="0"/>
           </a:p>
         </p:txBody>
@@ -14043,6 +13997,13 @@
   <p:clrMapOvr>
     <a:masterClrMapping/>
   </p:clrMapOvr>
+  <p:timing>
+    <p:tnLst>
+      <p:par>
+        <p:cTn id="1" dur="indefinite" restart="never" nodeType="tmRoot"/>
+      </p:par>
+    </p:tnLst>
+  </p:timing>
 </p:sld>
 </file>
 
@@ -14134,13 +14095,18 @@
           </a:p>
           <a:p>
             <a:r>
-              <a:rPr lang="en-US" sz="2200" dirty="0">
+              <a:rPr lang="en-US" sz="2200" dirty="0" smtClean="0">
                 <a:latin typeface="+mj-lt"/>
                 <a:ea typeface="EB Garamond"/>
                 <a:cs typeface="Times New Roman" panose="02020603050405020304" pitchFamily="18" charset="0"/>
               </a:rPr>
-              <a:t>Response</a:t>
-            </a:r>
+              <a:t>Responsive</a:t>
+            </a:r>
+            <a:endParaRPr lang="en-US" sz="2200" dirty="0">
+              <a:latin typeface="+mj-lt"/>
+              <a:ea typeface="EB Garamond"/>
+              <a:cs typeface="Times New Roman" panose="02020603050405020304" pitchFamily="18" charset="0"/>
+            </a:endParaRPr>
           </a:p>
           <a:p>
             <a:r>
@@ -14289,6 +14255,13 @@
   <p:clrMapOvr>
     <a:masterClrMapping/>
   </p:clrMapOvr>
+  <p:timing>
+    <p:tnLst>
+      <p:par>
+        <p:cTn id="1" dur="indefinite" restart="never" nodeType="tmRoot"/>
+      </p:par>
+    </p:tnLst>
+  </p:timing>
 </p:sld>
 </file>
 
@@ -14466,6 +14439,13 @@
   <p:clrMapOvr>
     <a:masterClrMapping/>
   </p:clrMapOvr>
+  <p:timing>
+    <p:tnLst>
+      <p:par>
+        <p:cTn id="1" dur="indefinite" restart="never" nodeType="tmRoot"/>
+      </p:par>
+    </p:tnLst>
+  </p:timing>
 </p:sld>
 </file>
 
@@ -14562,7 +14542,43 @@
                 <a:cs typeface="EB Garamond"/>
                 <a:sym typeface="EB Garamond"/>
               </a:rPr>
-              <a:t>We can majorly divide this stage into 2 parts</a:t>
+              <a:t>We </a:t>
+            </a:r>
+            <a:r>
+              <a:rPr lang="en-US" sz="2200" dirty="0" smtClean="0">
+                <a:latin typeface="+mj-lt"/>
+                <a:ea typeface="EB Garamond"/>
+                <a:cs typeface="EB Garamond"/>
+                <a:sym typeface="EB Garamond"/>
+              </a:rPr>
+              <a:t>can </a:t>
+            </a:r>
+            <a:r>
+              <a:rPr lang="en-US" sz="2200" dirty="0">
+                <a:latin typeface="+mj-lt"/>
+                <a:ea typeface="EB Garamond"/>
+                <a:cs typeface="EB Garamond"/>
+                <a:sym typeface="EB Garamond"/>
+              </a:rPr>
+              <a:t>divide this stage into </a:t>
+            </a:r>
+            <a:r>
+              <a:rPr lang="en-US" sz="2200" dirty="0" smtClean="0">
+                <a:latin typeface="+mj-lt"/>
+                <a:ea typeface="EB Garamond"/>
+                <a:cs typeface="EB Garamond"/>
+                <a:sym typeface="EB Garamond"/>
+              </a:rPr>
+              <a:t>2 major </a:t>
+            </a:r>
+            <a:r>
+              <a:rPr lang="en-US" sz="2200" dirty="0">
+                <a:latin typeface="+mj-lt"/>
+                <a:ea typeface="EB Garamond"/>
+                <a:cs typeface="EB Garamond"/>
+                <a:sym typeface="EB Garamond"/>
+              </a:rPr>
+              <a:t>parts</a:t>
             </a:r>
           </a:p>
           <a:p>
@@ -14716,6 +14732,13 @@
   <p:clrMapOvr>
     <a:masterClrMapping/>
   </p:clrMapOvr>
+  <p:timing>
+    <p:tnLst>
+      <p:par>
+        <p:cTn id="1" dur="indefinite" restart="never" nodeType="tmRoot"/>
+      </p:par>
+    </p:tnLst>
+  </p:timing>
 </p:sld>
 </file>
 
